--- a/L2/L2.pptx
+++ b/L2/L2.pptx
@@ -195,7 +195,7 @@
           <a:p>
             <a:fld id="{D4CB86DC-20C9-45AA-9C21-5865177CCC2D}" type="datetimeFigureOut">
               <a:rPr lang="zh-TW" altLang="en-US" smtClean="0"/>
-              <a:t>2020/4/22</a:t>
+              <a:t>2020/4/23</a:t>
             </a:fld>
             <a:endParaRPr lang="zh-TW" altLang="en-US"/>
           </a:p>
@@ -657,7 +657,7 @@
           <a:p>
             <a:fld id="{5BBEAD13-0566-4C6C-97E7-55F17F24B09F}" type="datetimeFigureOut">
               <a:rPr lang="zh-TW" altLang="en-US" smtClean="0"/>
-              <a:t>2020/4/22</a:t>
+              <a:t>2020/4/23</a:t>
             </a:fld>
             <a:endParaRPr lang="zh-TW" altLang="en-US"/>
           </a:p>
@@ -822,7 +822,7 @@
           <a:p>
             <a:fld id="{5BBEAD13-0566-4C6C-97E7-55F17F24B09F}" type="datetimeFigureOut">
               <a:rPr lang="zh-TW" altLang="en-US" smtClean="0"/>
-              <a:t>2020/4/22</a:t>
+              <a:t>2020/4/23</a:t>
             </a:fld>
             <a:endParaRPr lang="zh-TW" altLang="en-US"/>
           </a:p>
@@ -997,7 +997,7 @@
           <a:p>
             <a:fld id="{5BBEAD13-0566-4C6C-97E7-55F17F24B09F}" type="datetimeFigureOut">
               <a:rPr lang="zh-TW" altLang="en-US" smtClean="0"/>
-              <a:t>2020/4/22</a:t>
+              <a:t>2020/4/23</a:t>
             </a:fld>
             <a:endParaRPr lang="zh-TW" altLang="en-US"/>
           </a:p>
@@ -1162,7 +1162,7 @@
           <a:p>
             <a:fld id="{5BBEAD13-0566-4C6C-97E7-55F17F24B09F}" type="datetimeFigureOut">
               <a:rPr lang="zh-TW" altLang="en-US" smtClean="0"/>
-              <a:t>2020/4/22</a:t>
+              <a:t>2020/4/23</a:t>
             </a:fld>
             <a:endParaRPr lang="zh-TW" altLang="en-US"/>
           </a:p>
@@ -1403,7 +1403,7 @@
           <a:p>
             <a:fld id="{5BBEAD13-0566-4C6C-97E7-55F17F24B09F}" type="datetimeFigureOut">
               <a:rPr lang="zh-TW" altLang="en-US" smtClean="0"/>
-              <a:t>2020/4/22</a:t>
+              <a:t>2020/4/23</a:t>
             </a:fld>
             <a:endParaRPr lang="zh-TW" altLang="en-US"/>
           </a:p>
@@ -1686,7 +1686,7 @@
           <a:p>
             <a:fld id="{5BBEAD13-0566-4C6C-97E7-55F17F24B09F}" type="datetimeFigureOut">
               <a:rPr lang="zh-TW" altLang="en-US" smtClean="0"/>
-              <a:t>2020/4/22</a:t>
+              <a:t>2020/4/23</a:t>
             </a:fld>
             <a:endParaRPr lang="zh-TW" altLang="en-US"/>
           </a:p>
@@ -2115,7 +2115,7 @@
           <a:p>
             <a:fld id="{5BBEAD13-0566-4C6C-97E7-55F17F24B09F}" type="datetimeFigureOut">
               <a:rPr lang="zh-TW" altLang="en-US" smtClean="0"/>
-              <a:t>2020/4/22</a:t>
+              <a:t>2020/4/23</a:t>
             </a:fld>
             <a:endParaRPr lang="zh-TW" altLang="en-US"/>
           </a:p>
@@ -2228,7 +2228,7 @@
           <a:p>
             <a:fld id="{5BBEAD13-0566-4C6C-97E7-55F17F24B09F}" type="datetimeFigureOut">
               <a:rPr lang="zh-TW" altLang="en-US" smtClean="0"/>
-              <a:t>2020/4/22</a:t>
+              <a:t>2020/4/23</a:t>
             </a:fld>
             <a:endParaRPr lang="zh-TW" altLang="en-US"/>
           </a:p>
@@ -2318,7 +2318,7 @@
           <a:p>
             <a:fld id="{5BBEAD13-0566-4C6C-97E7-55F17F24B09F}" type="datetimeFigureOut">
               <a:rPr lang="zh-TW" altLang="en-US" smtClean="0"/>
-              <a:t>2020/4/22</a:t>
+              <a:t>2020/4/23</a:t>
             </a:fld>
             <a:endParaRPr lang="zh-TW" altLang="en-US"/>
           </a:p>
@@ -2507,7 +2507,7 @@
           <a:p>
             <a:fld id="{5BBEAD13-0566-4C6C-97E7-55F17F24B09F}" type="datetimeFigureOut">
               <a:rPr lang="zh-TW" altLang="en-US" smtClean="0"/>
-              <a:t>2020/4/22</a:t>
+              <a:t>2020/4/23</a:t>
             </a:fld>
             <a:endParaRPr lang="zh-TW" altLang="en-US"/>
           </a:p>
@@ -2825,7 +2825,7 @@
           <a:p>
             <a:fld id="{5BBEAD13-0566-4C6C-97E7-55F17F24B09F}" type="datetimeFigureOut">
               <a:rPr lang="zh-TW" altLang="en-US" smtClean="0"/>
-              <a:t>2020/4/22</a:t>
+              <a:t>2020/4/23</a:t>
             </a:fld>
             <a:endParaRPr lang="zh-TW" altLang="en-US"/>
           </a:p>
@@ -3204,7 +3204,7 @@
           <a:p>
             <a:fld id="{5BBEAD13-0566-4C6C-97E7-55F17F24B09F}" type="datetimeFigureOut">
               <a:rPr lang="zh-TW" altLang="en-US" smtClean="0"/>
-              <a:t>2020/4/22</a:t>
+              <a:t>2020/4/23</a:t>
             </a:fld>
             <a:endParaRPr lang="zh-TW" altLang="en-US"/>
           </a:p>
@@ -4756,7 +4756,11 @@
           <a:p>
             <a:r>
               <a:rPr lang="zh-TW" altLang="en-US" dirty="0" smtClean="0"/>
-              <a:t>水文大數據收集</a:t>
+              <a:t>水文大數據</a:t>
+            </a:r>
+            <a:r>
+              <a:rPr lang="zh-TW" altLang="en-US" dirty="0" smtClean="0"/>
+              <a:t>收集應用</a:t>
             </a:r>
             <a:endParaRPr lang="zh-TW" altLang="en-US" dirty="0"/>
           </a:p>
